--- a/cfg.pptx
+++ b/cfg.pptx
@@ -3919,12 +3919,6 @@
             <a:pPr marL="114300" indent="0">
               <a:buNone/>
             </a:pPr>
-            <a:endParaRPr lang="en-US" dirty="0" smtClean="0"/>
-          </a:p>
-          <a:p>
-            <a:pPr marL="114300" indent="0">
-              <a:buNone/>
-            </a:pPr>
             <a:r>
               <a:rPr lang="en-US" dirty="0" smtClean="0"/>
               <a:t>User friendly portal for visually impaired and scribes</a:t>
@@ -3957,7 +3951,7 @@
               <a:buNone/>
             </a:pPr>
             <a:r>
-              <a:rPr lang="en-US" dirty="0" smtClean="0"/>
+              <a:rPr lang="en-US" dirty="0"/>
               <a:t>Facility provided to Admin to add students</a:t>
             </a:r>
           </a:p>
@@ -3974,7 +3968,324 @@
             <a:pPr marL="114300" indent="0">
               <a:buNone/>
             </a:pPr>
+            <a:endParaRPr lang="en-US" dirty="0"/>
+          </a:p>
+          <a:p>
+            <a:pPr marL="114300" indent="0">
+              <a:buNone/>
+            </a:pPr>
             <a:endParaRPr lang="en-US" dirty="0" smtClean="0"/>
+          </a:p>
+        </p:txBody>
+      </p:sp>
+      <p:pic>
+        <p:nvPicPr>
+          <p:cNvPr id="4" name="Picture 10" descr="alt=">
+            <a:extLst>
+              <a:ext uri="{FF2B5EF4-FFF2-40B4-BE49-F238E27FC236}">
+                <a16:creationId xmlns:a16="http://schemas.microsoft.com/office/drawing/2014/main" xmlns="" id="{DBB47CDC-5698-42FC-9327-F8476C35E029}"/>
+              </a:ext>
+            </a:extLst>
+          </p:cNvPr>
+          <p:cNvPicPr>
+            <a:picLocks noChangeAspect="1" noChangeArrowheads="1"/>
+          </p:cNvPicPr>
+          <p:nvPr/>
+        </p:nvPicPr>
+        <p:blipFill>
+          <a:blip r:embed="rId2" cstate="print">
+            <a:extLst>
+              <a:ext uri="{28A0092B-C50C-407E-A947-70E740481C1C}">
+                <a14:useLocalDpi xmlns:a14="http://schemas.microsoft.com/office/drawing/2010/main" val="0"/>
+              </a:ext>
+            </a:extLst>
+          </a:blip>
+          <a:srcRect/>
+          <a:stretch>
+            <a:fillRect/>
+          </a:stretch>
+        </p:blipFill>
+        <p:spPr bwMode="auto">
+          <a:xfrm>
+            <a:off x="609600" y="5122611"/>
+            <a:ext cx="1981200" cy="2168024"/>
+          </a:xfrm>
+          <a:prstGeom prst="rect">
+            <a:avLst/>
+          </a:prstGeom>
+          <a:noFill/>
+          <a:extLst>
+            <a:ext uri="{909E8E84-426E-40DD-AFC4-6F175D3DCCD1}">
+              <a14:hiddenFill xmlns:a14="http://schemas.microsoft.com/office/drawing/2010/main">
+                <a:solidFill>
+                  <a:srgbClr val="FFFFFF"/>
+                </a:solidFill>
+              </a14:hiddenFill>
+            </a:ext>
+          </a:extLst>
+        </p:spPr>
+      </p:pic>
+      <p:pic>
+        <p:nvPicPr>
+          <p:cNvPr id="5" name="Picture 2" descr="Related image">
+            <a:extLst>
+              <a:ext uri="{FF2B5EF4-FFF2-40B4-BE49-F238E27FC236}">
+                <a16:creationId xmlns:a16="http://schemas.microsoft.com/office/drawing/2014/main" xmlns="" id="{87A34704-8E16-41A6-A1CF-DADE7F980883}"/>
+              </a:ext>
+            </a:extLst>
+          </p:cNvPr>
+          <p:cNvPicPr>
+            <a:picLocks noChangeAspect="1" noChangeArrowheads="1"/>
+          </p:cNvPicPr>
+          <p:nvPr/>
+        </p:nvPicPr>
+        <p:blipFill>
+          <a:blip r:embed="rId3">
+            <a:extLst>
+              <a:ext uri="{28A0092B-C50C-407E-A947-70E740481C1C}">
+                <a14:useLocalDpi xmlns:a14="http://schemas.microsoft.com/office/drawing/2010/main" val="0"/>
+              </a:ext>
+            </a:extLst>
+          </a:blip>
+          <a:srcRect/>
+          <a:stretch>
+            <a:fillRect/>
+          </a:stretch>
+        </p:blipFill>
+        <p:spPr bwMode="auto">
+          <a:xfrm>
+            <a:off x="3259899" y="5122611"/>
+            <a:ext cx="1981200" cy="1994863"/>
+          </a:xfrm>
+          <a:prstGeom prst="rect">
+            <a:avLst/>
+          </a:prstGeom>
+          <a:noFill/>
+          <a:extLst>
+            <a:ext uri="{909E8E84-426E-40DD-AFC4-6F175D3DCCD1}">
+              <a14:hiddenFill xmlns:a14="http://schemas.microsoft.com/office/drawing/2010/main">
+                <a:solidFill>
+                  <a:srgbClr val="FFFFFF"/>
+                </a:solidFill>
+              </a14:hiddenFill>
+            </a:ext>
+          </a:extLst>
+        </p:spPr>
+      </p:pic>
+      <p:pic>
+        <p:nvPicPr>
+          <p:cNvPr id="6" name="Picture 8" descr="https://thumbs.dreamstime.com/z/waving-business-man-vector-illustration-cartoon-35110134.jpg">
+            <a:extLst>
+              <a:ext uri="{FF2B5EF4-FFF2-40B4-BE49-F238E27FC236}">
+                <a16:creationId xmlns:a16="http://schemas.microsoft.com/office/drawing/2014/main" xmlns="" id="{4479027A-8581-4C3C-8869-4851CA2D7E14}"/>
+              </a:ext>
+            </a:extLst>
+          </p:cNvPr>
+          <p:cNvPicPr>
+            <a:picLocks noChangeAspect="1" noChangeArrowheads="1"/>
+          </p:cNvPicPr>
+          <p:nvPr/>
+        </p:nvPicPr>
+        <p:blipFill>
+          <a:blip r:embed="rId4" cstate="print">
+            <a:extLst>
+              <a:ext uri="{28A0092B-C50C-407E-A947-70E740481C1C}">
+                <a14:useLocalDpi xmlns:a14="http://schemas.microsoft.com/office/drawing/2010/main" val="0"/>
+              </a:ext>
+            </a:extLst>
+          </a:blip>
+          <a:srcRect/>
+          <a:stretch>
+            <a:fillRect/>
+          </a:stretch>
+        </p:blipFill>
+        <p:spPr bwMode="auto">
+          <a:xfrm>
+            <a:off x="6483003" y="5066766"/>
+            <a:ext cx="1257300" cy="2106554"/>
+          </a:xfrm>
+          <a:prstGeom prst="rect">
+            <a:avLst/>
+          </a:prstGeom>
+          <a:noFill/>
+          <a:extLst>
+            <a:ext uri="{909E8E84-426E-40DD-AFC4-6F175D3DCCD1}">
+              <a14:hiddenFill xmlns:a14="http://schemas.microsoft.com/office/drawing/2010/main">
+                <a:solidFill>
+                  <a:srgbClr val="FFFFFF"/>
+                </a:solidFill>
+              </a14:hiddenFill>
+            </a:ext>
+          </a:extLst>
+        </p:spPr>
+      </p:pic>
+      <p:cxnSp>
+        <p:nvCxnSpPr>
+          <p:cNvPr id="9" name="Straight Arrow Connector 8"/>
+          <p:cNvCxnSpPr/>
+          <p:nvPr/>
+        </p:nvCxnSpPr>
+        <p:spPr>
+          <a:xfrm flipV="1">
+            <a:off x="1600200" y="4648200"/>
+            <a:ext cx="1219200" cy="304800"/>
+          </a:xfrm>
+          <a:prstGeom prst="straightConnector1">
+            <a:avLst/>
+          </a:prstGeom>
+          <a:ln>
+            <a:tailEnd type="arrow"/>
+          </a:ln>
+        </p:spPr>
+        <p:style>
+          <a:lnRef idx="1">
+            <a:schemeClr val="accent1"/>
+          </a:lnRef>
+          <a:fillRef idx="0">
+            <a:schemeClr val="accent1"/>
+          </a:fillRef>
+          <a:effectRef idx="0">
+            <a:schemeClr val="accent1"/>
+          </a:effectRef>
+          <a:fontRef idx="minor">
+            <a:schemeClr val="tx1"/>
+          </a:fontRef>
+        </p:style>
+      </p:cxnSp>
+      <p:cxnSp>
+        <p:nvCxnSpPr>
+          <p:cNvPr id="11" name="Straight Arrow Connector 10"/>
+          <p:cNvCxnSpPr/>
+          <p:nvPr/>
+        </p:nvCxnSpPr>
+        <p:spPr>
+          <a:xfrm flipV="1">
+            <a:off x="3962400" y="4648200"/>
+            <a:ext cx="0" cy="418566"/>
+          </a:xfrm>
+          <a:prstGeom prst="straightConnector1">
+            <a:avLst/>
+          </a:prstGeom>
+          <a:ln>
+            <a:tailEnd type="arrow"/>
+          </a:ln>
+        </p:spPr>
+        <p:style>
+          <a:lnRef idx="1">
+            <a:schemeClr val="accent1"/>
+          </a:lnRef>
+          <a:fillRef idx="0">
+            <a:schemeClr val="accent1"/>
+          </a:fillRef>
+          <a:effectRef idx="0">
+            <a:schemeClr val="accent1"/>
+          </a:effectRef>
+          <a:fontRef idx="minor">
+            <a:schemeClr val="tx1"/>
+          </a:fontRef>
+        </p:style>
+      </p:cxnSp>
+      <p:cxnSp>
+        <p:nvCxnSpPr>
+          <p:cNvPr id="13" name="Straight Arrow Connector 12"/>
+          <p:cNvCxnSpPr/>
+          <p:nvPr/>
+        </p:nvCxnSpPr>
+        <p:spPr>
+          <a:xfrm flipH="1" flipV="1">
+            <a:off x="5562600" y="4572000"/>
+            <a:ext cx="990600" cy="381000"/>
+          </a:xfrm>
+          <a:prstGeom prst="straightConnector1">
+            <a:avLst/>
+          </a:prstGeom>
+          <a:ln>
+            <a:tailEnd type="arrow"/>
+          </a:ln>
+        </p:spPr>
+        <p:style>
+          <a:lnRef idx="1">
+            <a:schemeClr val="accent1"/>
+          </a:lnRef>
+          <a:fillRef idx="0">
+            <a:schemeClr val="accent1"/>
+          </a:fillRef>
+          <a:effectRef idx="0">
+            <a:schemeClr val="accent1"/>
+          </a:effectRef>
+          <a:fontRef idx="minor">
+            <a:schemeClr val="tx1"/>
+          </a:fontRef>
+        </p:style>
+      </p:cxnSp>
+      <p:sp>
+        <p:nvSpPr>
+          <p:cNvPr id="14" name="Rectangle 13"/>
+          <p:cNvSpPr/>
+          <p:nvPr/>
+        </p:nvSpPr>
+        <p:spPr>
+          <a:xfrm>
+            <a:off x="2819400" y="4343400"/>
+            <a:ext cx="2667000" cy="304800"/>
+          </a:xfrm>
+          <a:prstGeom prst="rect">
+            <a:avLst/>
+          </a:prstGeom>
+        </p:spPr>
+        <p:style>
+          <a:lnRef idx="2">
+            <a:schemeClr val="accent1">
+              <a:shade val="50000"/>
+            </a:schemeClr>
+          </a:lnRef>
+          <a:fillRef idx="1">
+            <a:schemeClr val="accent1"/>
+          </a:fillRef>
+          <a:effectRef idx="0">
+            <a:schemeClr val="accent1"/>
+          </a:effectRef>
+          <a:fontRef idx="minor">
+            <a:schemeClr val="lt1"/>
+          </a:fontRef>
+        </p:style>
+        <p:txBody>
+          <a:bodyPr rtlCol="0" anchor="ctr"/>
+          <a:lstStyle/>
+          <a:p>
+            <a:pPr algn="ctr"/>
+            <a:endParaRPr lang="en-US"/>
+          </a:p>
+        </p:txBody>
+      </p:sp>
+      <p:sp>
+        <p:nvSpPr>
+          <p:cNvPr id="15" name="TextBox 14"/>
+          <p:cNvSpPr txBox="1"/>
+          <p:nvPr/>
+        </p:nvSpPr>
+        <p:spPr>
+          <a:xfrm>
+            <a:off x="2819400" y="4343400"/>
+            <a:ext cx="2590800" cy="369332"/>
+          </a:xfrm>
+          <a:prstGeom prst="rect">
+            <a:avLst/>
+          </a:prstGeom>
+          <a:noFill/>
+        </p:spPr>
+        <p:txBody>
+          <a:bodyPr wrap="square" rtlCol="0">
+            <a:spAutoFit/>
+          </a:bodyPr>
+          <a:lstStyle/>
+          <a:p>
+            <a:pPr algn="ctr"/>
+            <a:r>
+              <a:rPr lang="en-US" dirty="0" smtClean="0"/>
+              <a:t>I2EYE APP</a:t>
+            </a:r>
+            <a:endParaRPr lang="en-US" dirty="0"/>
           </a:p>
         </p:txBody>
       </p:sp>
@@ -3988,6 +4299,13 @@
   <p:clrMapOvr>
     <a:masterClrMapping/>
   </p:clrMapOvr>
+  <p:timing>
+    <p:tnLst>
+      <p:par>
+        <p:cTn id="1" dur="indefinite" restart="never" nodeType="tmRoot"/>
+      </p:par>
+    </p:tnLst>
+  </p:timing>
 </p:sld>
 </file>
 
@@ -4123,6 +4441,13 @@
   <p:clrMapOvr>
     <a:masterClrMapping/>
   </p:clrMapOvr>
+  <p:timing>
+    <p:tnLst>
+      <p:par>
+        <p:cTn id="1" dur="indefinite" restart="never" nodeType="tmRoot"/>
+      </p:par>
+    </p:tnLst>
+  </p:timing>
 </p:sld>
 </file>
 
@@ -4179,7 +4504,7 @@
         <p:spPr/>
         <p:txBody>
           <a:bodyPr>
-            <a:normAutofit/>
+            <a:normAutofit lnSpcReduction="10000"/>
           </a:bodyPr>
           <a:lstStyle/>
           <a:p>
@@ -4223,20 +4548,27 @@
           <a:p>
             <a:r>
               <a:rPr lang="en-US" dirty="0"/>
-              <a:t>Availability of backup if the primary scribe drops in the last moment.</a:t>
-            </a:r>
-          </a:p>
-          <a:p>
-            <a:endParaRPr lang="en-US" dirty="0"/>
+              <a:t>Availability of backup if the primary scribe drops in the last moment</a:t>
+            </a:r>
+            <a:r>
+              <a:rPr lang="en-US" dirty="0" smtClean="0"/>
+              <a:t>.</a:t>
+            </a:r>
           </a:p>
           <a:p>
             <a:pPr marL="114300" indent="0">
               <a:buNone/>
             </a:pPr>
+            <a:endParaRPr lang="en-US" dirty="0" smtClean="0"/>
+          </a:p>
+          <a:p>
             <a:r>
               <a:rPr lang="en-US" dirty="0"/>
               <a:t>Administrator to be given an option to switch as a volunteer whenever required .</a:t>
             </a:r>
+          </a:p>
+          <a:p>
+            <a:endParaRPr lang="en-US" dirty="0"/>
           </a:p>
           <a:p>
             <a:pPr marL="114300" indent="0">
@@ -4266,6 +4598,13 @@
   <p:clrMapOvr>
     <a:masterClrMapping/>
   </p:clrMapOvr>
+  <p:timing>
+    <p:tnLst>
+      <p:par>
+        <p:cTn id="1" dur="indefinite" restart="never" nodeType="tmRoot"/>
+      </p:par>
+    </p:tnLst>
+  </p:timing>
 </p:sld>
 </file>
 
